--- a/week_7/ch18_ex1_demo1_ex2_ex4.pptx
+++ b/week_7/ch18_ex1_demo1_ex2_ex4.pptx
@@ -4353,7 +4353,7 @@
           <a:p>
             <a:fld id="{63D50894-89AE-45B3-A0EC-6C6574FDF8B3}" type="datetimeFigureOut">
               <a:rPr lang="en-US" smtClean="0"/>
-              <a:t>11/21/23</a:t>
+              <a:t>12/4/2023</a:t>
             </a:fld>
             <a:endParaRPr lang="en-US"/>
           </a:p>
@@ -4551,7 +4551,7 @@
           <a:p>
             <a:fld id="{63D50894-89AE-45B3-A0EC-6C6574FDF8B3}" type="datetimeFigureOut">
               <a:rPr lang="en-US" smtClean="0"/>
-              <a:t>11/21/23</a:t>
+              <a:t>12/4/2023</a:t>
             </a:fld>
             <a:endParaRPr lang="en-US"/>
           </a:p>
@@ -4759,7 +4759,7 @@
           <a:p>
             <a:fld id="{63D50894-89AE-45B3-A0EC-6C6574FDF8B3}" type="datetimeFigureOut">
               <a:rPr lang="en-US" smtClean="0"/>
-              <a:t>11/21/23</a:t>
+              <a:t>12/4/2023</a:t>
             </a:fld>
             <a:endParaRPr lang="en-US"/>
           </a:p>
@@ -4957,7 +4957,7 @@
           <a:p>
             <a:fld id="{63D50894-89AE-45B3-A0EC-6C6574FDF8B3}" type="datetimeFigureOut">
               <a:rPr lang="en-US" smtClean="0"/>
-              <a:t>11/21/23</a:t>
+              <a:t>12/4/2023</a:t>
             </a:fld>
             <a:endParaRPr lang="en-US"/>
           </a:p>
@@ -5232,7 +5232,7 @@
           <a:p>
             <a:fld id="{63D50894-89AE-45B3-A0EC-6C6574FDF8B3}" type="datetimeFigureOut">
               <a:rPr lang="en-US" smtClean="0"/>
-              <a:t>11/21/23</a:t>
+              <a:t>12/4/2023</a:t>
             </a:fld>
             <a:endParaRPr lang="en-US"/>
           </a:p>
@@ -5497,7 +5497,7 @@
           <a:p>
             <a:fld id="{63D50894-89AE-45B3-A0EC-6C6574FDF8B3}" type="datetimeFigureOut">
               <a:rPr lang="en-US" smtClean="0"/>
-              <a:t>11/21/23</a:t>
+              <a:t>12/4/2023</a:t>
             </a:fld>
             <a:endParaRPr lang="en-US"/>
           </a:p>
@@ -5909,7 +5909,7 @@
           <a:p>
             <a:fld id="{63D50894-89AE-45B3-A0EC-6C6574FDF8B3}" type="datetimeFigureOut">
               <a:rPr lang="en-US" smtClean="0"/>
-              <a:t>11/21/23</a:t>
+              <a:t>12/4/2023</a:t>
             </a:fld>
             <a:endParaRPr lang="en-US"/>
           </a:p>
@@ -6050,7 +6050,7 @@
           <a:p>
             <a:fld id="{63D50894-89AE-45B3-A0EC-6C6574FDF8B3}" type="datetimeFigureOut">
               <a:rPr lang="en-US" smtClean="0"/>
-              <a:t>11/21/23</a:t>
+              <a:t>12/4/2023</a:t>
             </a:fld>
             <a:endParaRPr lang="en-US"/>
           </a:p>
@@ -6163,7 +6163,7 @@
           <a:p>
             <a:fld id="{63D50894-89AE-45B3-A0EC-6C6574FDF8B3}" type="datetimeFigureOut">
               <a:rPr lang="en-US" smtClean="0"/>
-              <a:t>11/21/23</a:t>
+              <a:t>12/4/2023</a:t>
             </a:fld>
             <a:endParaRPr lang="en-US"/>
           </a:p>
@@ -6474,7 +6474,7 @@
           <a:p>
             <a:fld id="{63D50894-89AE-45B3-A0EC-6C6574FDF8B3}" type="datetimeFigureOut">
               <a:rPr lang="en-US" smtClean="0"/>
-              <a:t>11/21/23</a:t>
+              <a:t>12/4/2023</a:t>
             </a:fld>
             <a:endParaRPr lang="en-US"/>
           </a:p>
@@ -6762,7 +6762,7 @@
           <a:p>
             <a:fld id="{63D50894-89AE-45B3-A0EC-6C6574FDF8B3}" type="datetimeFigureOut">
               <a:rPr lang="en-US" smtClean="0"/>
-              <a:t>11/21/23</a:t>
+              <a:t>12/4/2023</a:t>
             </a:fld>
             <a:endParaRPr lang="en-US"/>
           </a:p>
@@ -7003,7 +7003,7 @@
           <a:p>
             <a:fld id="{63D50894-89AE-45B3-A0EC-6C6574FDF8B3}" type="datetimeFigureOut">
               <a:rPr lang="en-US" smtClean="0"/>
-              <a:t>11/21/23</a:t>
+              <a:t>12/4/2023</a:t>
             </a:fld>
             <a:endParaRPr lang="en-US"/>
           </a:p>
@@ -15784,8 +15784,16 @@
           <a:lstStyle/>
           <a:p>
             <a:r>
+              <a:rPr lang="en-US" b="1"/>
+              <a:t>Ex4 </a:t>
+            </a:r>
+            <a:r>
+              <a:rPr lang="en-US" b="1" smtClean="0"/>
+              <a:t>Quick </a:t>
+            </a:r>
+            <a:r>
               <a:rPr lang="en-US" b="1" dirty="0"/>
-              <a:t>Ex4 Merge sort recursion tree </a:t>
+              <a:t>sort recursion tree </a:t>
             </a:r>
             <a:r>
               <a:rPr lang="en-US" b="1" dirty="0">
